--- a/Презентация Microsoft PowerPoint.pptx
+++ b/Презентация Microsoft PowerPoint.pptx
@@ -111,6 +111,11 @@
       </a:defRPr>
     </a:lvl9pPr>
   </p:defaultTextStyle>
+  <p:extLst>
+    <p:ext uri="{EFAFB233-063F-42B5-8137-9DF3F51BA10A}">
+      <p15:sldGuideLst xmlns:p15="http://schemas.microsoft.com/office/powerpoint/2012/main"/>
+    </p:ext>
+  </p:extLst>
 </p:presentation>
 </file>
 
@@ -6142,11 +6147,11 @@
             <a:pPr algn="r"/>
             <a:r>
               <a:rPr lang="ru-RU" dirty="0" smtClean="0"/>
-              <a:t>Руководитель: к.,</a:t>
-            </a:r>
-            <a:r>
-              <a:rPr lang="ru-RU" dirty="0" err="1" smtClean="0"/>
-              <a:t>т.н</a:t>
+              <a:t>Руководитель</a:t>
+            </a:r>
+            <a:r>
+              <a:rPr lang="ru-RU" smtClean="0"/>
+              <a:t>: к.т.н</a:t>
             </a:r>
             <a:r>
               <a:rPr lang="ru-RU" dirty="0" smtClean="0"/>
@@ -6230,7 +6235,19 @@
           <a:p>
             <a:r>
               <a:rPr lang="ru-RU" sz="3600" dirty="0" smtClean="0"/>
-              <a:t>Цель работы: разработка интеллектуальной системы освещения для уменьшения энергопотребления в офисных/коммерческих помещениях или местах общего пользования</a:t>
+              <a:t>Цель работы: разработка интеллектуальной </a:t>
+            </a:r>
+            <a:r>
+              <a:rPr lang="ru-RU" sz="3600" dirty="0" smtClean="0"/>
+              <a:t>системы </a:t>
+            </a:r>
+            <a:r>
+              <a:rPr lang="ru-RU" sz="3600" smtClean="0"/>
+              <a:t>управления освещением </a:t>
+            </a:r>
+            <a:r>
+              <a:rPr lang="ru-RU" sz="3600" dirty="0" smtClean="0"/>
+              <a:t>для уменьшения энергопотребления в офисных/коммерческих помещениях или местах общего пользования</a:t>
             </a:r>
           </a:p>
         </p:txBody>

--- a/Презентация Microsoft PowerPoint.pptx
+++ b/Презентация Microsoft PowerPoint.pptx
@@ -1,18 +1,23 @@
 
 <file path=ppt/presentation.xml><?xml version="1.0" encoding="utf-8"?>
-<p:presentation xmlns:a="http://schemas.openxmlformats.org/drawingml/2006/main" xmlns:r="http://schemas.openxmlformats.org/officeDocument/2006/relationships" xmlns:p="http://schemas.openxmlformats.org/presentationml/2006/main" saveSubsetFonts="1">
+<p:presentation xmlns:a="http://schemas.openxmlformats.org/drawingml/2006/main" xmlns:r="http://schemas.openxmlformats.org/officeDocument/2006/relationships" xmlns:p="http://schemas.openxmlformats.org/presentationml/2006/main" showSpecialPlsOnTitleSld="0" saveSubsetFonts="1">
   <p:sldMasterIdLst>
     <p:sldMasterId id="2147483660" r:id="rId1"/>
   </p:sldMasterIdLst>
+  <p:notesMasterIdLst>
+    <p:notesMasterId r:id="rId12"/>
+  </p:notesMasterIdLst>
   <p:sldIdLst>
     <p:sldId id="256" r:id="rId2"/>
     <p:sldId id="257" r:id="rId3"/>
     <p:sldId id="258" r:id="rId4"/>
     <p:sldId id="259" r:id="rId5"/>
     <p:sldId id="260" r:id="rId6"/>
-    <p:sldId id="261" r:id="rId7"/>
-    <p:sldId id="262" r:id="rId8"/>
-    <p:sldId id="263" r:id="rId9"/>
+    <p:sldId id="264" r:id="rId7"/>
+    <p:sldId id="261" r:id="rId8"/>
+    <p:sldId id="262" r:id="rId9"/>
+    <p:sldId id="263" r:id="rId10"/>
+    <p:sldId id="265" r:id="rId11"/>
   </p:sldIdLst>
   <p:sldSz cx="12192000" cy="6858000"/>
   <p:notesSz cx="6858000" cy="9144000"/>
@@ -119,6 +124,356 @@
 </p:presentation>
 </file>
 
+<file path=ppt/notesMasters/notesMaster1.xml><?xml version="1.0" encoding="utf-8"?>
+<p:notesMaster xmlns:a="http://schemas.openxmlformats.org/drawingml/2006/main" xmlns:r="http://schemas.openxmlformats.org/officeDocument/2006/relationships" xmlns:p="http://schemas.openxmlformats.org/presentationml/2006/main">
+  <p:cSld>
+    <p:bg>
+      <p:bgRef idx="1001">
+        <a:schemeClr val="bg1"/>
+      </p:bgRef>
+    </p:bg>
+    <p:spTree>
+      <p:nvGrpSpPr>
+        <p:cNvPr id="1" name=""/>
+        <p:cNvGrpSpPr/>
+        <p:nvPr/>
+      </p:nvGrpSpPr>
+      <p:grpSpPr>
+        <a:xfrm>
+          <a:off x="0" y="0"/>
+          <a:ext cx="0" cy="0"/>
+          <a:chOff x="0" y="0"/>
+          <a:chExt cx="0" cy="0"/>
+        </a:xfrm>
+      </p:grpSpPr>
+      <p:sp>
+        <p:nvSpPr>
+          <p:cNvPr id="2" name="Верхний колонтитул 1"/>
+          <p:cNvSpPr>
+            <a:spLocks noGrp="1"/>
+          </p:cNvSpPr>
+          <p:nvPr>
+            <p:ph type="hdr" sz="quarter"/>
+          </p:nvPr>
+        </p:nvSpPr>
+        <p:spPr>
+          <a:xfrm>
+            <a:off x="0" y="0"/>
+            <a:ext cx="2971800" cy="458788"/>
+          </a:xfrm>
+          <a:prstGeom prst="rect">
+            <a:avLst/>
+          </a:prstGeom>
+        </p:spPr>
+        <p:txBody>
+          <a:bodyPr vert="horz" lIns="91440" tIns="45720" rIns="91440" bIns="45720" rtlCol="0"/>
+          <a:lstStyle>
+            <a:lvl1pPr algn="l">
+              <a:defRPr sz="1200"/>
+            </a:lvl1pPr>
+          </a:lstStyle>
+          <a:p>
+            <a:endParaRPr lang="ru-RU"/>
+          </a:p>
+        </p:txBody>
+      </p:sp>
+      <p:sp>
+        <p:nvSpPr>
+          <p:cNvPr id="3" name="Дата 2"/>
+          <p:cNvSpPr>
+            <a:spLocks noGrp="1"/>
+          </p:cNvSpPr>
+          <p:nvPr>
+            <p:ph type="dt" idx="1"/>
+          </p:nvPr>
+        </p:nvSpPr>
+        <p:spPr>
+          <a:xfrm>
+            <a:off x="3884613" y="0"/>
+            <a:ext cx="2971800" cy="458788"/>
+          </a:xfrm>
+          <a:prstGeom prst="rect">
+            <a:avLst/>
+          </a:prstGeom>
+        </p:spPr>
+        <p:txBody>
+          <a:bodyPr vert="horz" lIns="91440" tIns="45720" rIns="91440" bIns="45720" rtlCol="0"/>
+          <a:lstStyle>
+            <a:lvl1pPr algn="r">
+              <a:defRPr sz="1200"/>
+            </a:lvl1pPr>
+          </a:lstStyle>
+          <a:p>
+            <a:fld id="{8697035B-1A5F-40B0-8943-04224672CB7F}" type="datetimeFigureOut">
+              <a:rPr lang="ru-RU" smtClean="0"/>
+              <a:t>17.01.2019</a:t>
+            </a:fld>
+            <a:endParaRPr lang="ru-RU"/>
+          </a:p>
+        </p:txBody>
+      </p:sp>
+      <p:sp>
+        <p:nvSpPr>
+          <p:cNvPr id="4" name="Образ слайда 3"/>
+          <p:cNvSpPr>
+            <a:spLocks noGrp="1" noRot="1" noChangeAspect="1"/>
+          </p:cNvSpPr>
+          <p:nvPr>
+            <p:ph type="sldImg" idx="2"/>
+          </p:nvPr>
+        </p:nvSpPr>
+        <p:spPr>
+          <a:xfrm>
+            <a:off x="685800" y="1143000"/>
+            <a:ext cx="5486400" cy="3086100"/>
+          </a:xfrm>
+          <a:prstGeom prst="rect">
+            <a:avLst/>
+          </a:prstGeom>
+          <a:noFill/>
+          <a:ln w="12700">
+            <a:solidFill>
+              <a:prstClr val="black"/>
+            </a:solidFill>
+          </a:ln>
+        </p:spPr>
+        <p:txBody>
+          <a:bodyPr vert="horz" lIns="91440" tIns="45720" rIns="91440" bIns="45720" rtlCol="0" anchor="ctr"/>
+          <a:lstStyle/>
+          <a:p>
+            <a:endParaRPr lang="ru-RU"/>
+          </a:p>
+        </p:txBody>
+      </p:sp>
+      <p:sp>
+        <p:nvSpPr>
+          <p:cNvPr id="5" name="Заметки 4"/>
+          <p:cNvSpPr>
+            <a:spLocks noGrp="1"/>
+          </p:cNvSpPr>
+          <p:nvPr>
+            <p:ph type="body" sz="quarter" idx="3"/>
+          </p:nvPr>
+        </p:nvSpPr>
+        <p:spPr>
+          <a:xfrm>
+            <a:off x="685800" y="4400550"/>
+            <a:ext cx="5486400" cy="3600450"/>
+          </a:xfrm>
+          <a:prstGeom prst="rect">
+            <a:avLst/>
+          </a:prstGeom>
+        </p:spPr>
+        <p:txBody>
+          <a:bodyPr vert="horz" lIns="91440" tIns="45720" rIns="91440" bIns="45720" rtlCol="0"/>
+          <a:lstStyle/>
+          <a:p>
+            <a:pPr lvl="0"/>
+            <a:r>
+              <a:rPr lang="ru-RU" smtClean="0"/>
+              <a:t>Образец текста</a:t>
+            </a:r>
+          </a:p>
+          <a:p>
+            <a:pPr lvl="1"/>
+            <a:r>
+              <a:rPr lang="ru-RU" smtClean="0"/>
+              <a:t>Второй уровень</a:t>
+            </a:r>
+          </a:p>
+          <a:p>
+            <a:pPr lvl="2"/>
+            <a:r>
+              <a:rPr lang="ru-RU" smtClean="0"/>
+              <a:t>Третий уровень</a:t>
+            </a:r>
+          </a:p>
+          <a:p>
+            <a:pPr lvl="3"/>
+            <a:r>
+              <a:rPr lang="ru-RU" smtClean="0"/>
+              <a:t>Четвертый уровень</a:t>
+            </a:r>
+          </a:p>
+          <a:p>
+            <a:pPr lvl="4"/>
+            <a:r>
+              <a:rPr lang="ru-RU" smtClean="0"/>
+              <a:t>Пятый уровень</a:t>
+            </a:r>
+            <a:endParaRPr lang="ru-RU"/>
+          </a:p>
+        </p:txBody>
+      </p:sp>
+      <p:sp>
+        <p:nvSpPr>
+          <p:cNvPr id="6" name="Нижний колонтитул 5"/>
+          <p:cNvSpPr>
+            <a:spLocks noGrp="1"/>
+          </p:cNvSpPr>
+          <p:nvPr>
+            <p:ph type="ftr" sz="quarter" idx="4"/>
+          </p:nvPr>
+        </p:nvSpPr>
+        <p:spPr>
+          <a:xfrm>
+            <a:off x="0" y="8685213"/>
+            <a:ext cx="2971800" cy="458787"/>
+          </a:xfrm>
+          <a:prstGeom prst="rect">
+            <a:avLst/>
+          </a:prstGeom>
+        </p:spPr>
+        <p:txBody>
+          <a:bodyPr vert="horz" lIns="91440" tIns="45720" rIns="91440" bIns="45720" rtlCol="0" anchor="b"/>
+          <a:lstStyle>
+            <a:lvl1pPr algn="l">
+              <a:defRPr sz="1200"/>
+            </a:lvl1pPr>
+          </a:lstStyle>
+          <a:p>
+            <a:endParaRPr lang="ru-RU"/>
+          </a:p>
+        </p:txBody>
+      </p:sp>
+      <p:sp>
+        <p:nvSpPr>
+          <p:cNvPr id="7" name="Номер слайда 6"/>
+          <p:cNvSpPr>
+            <a:spLocks noGrp="1"/>
+          </p:cNvSpPr>
+          <p:nvPr>
+            <p:ph type="sldNum" sz="quarter" idx="5"/>
+          </p:nvPr>
+        </p:nvSpPr>
+        <p:spPr>
+          <a:xfrm>
+            <a:off x="3884613" y="8685213"/>
+            <a:ext cx="2971800" cy="458787"/>
+          </a:xfrm>
+          <a:prstGeom prst="rect">
+            <a:avLst/>
+          </a:prstGeom>
+        </p:spPr>
+        <p:txBody>
+          <a:bodyPr vert="horz" lIns="91440" tIns="45720" rIns="91440" bIns="45720" rtlCol="0" anchor="b"/>
+          <a:lstStyle>
+            <a:lvl1pPr algn="r">
+              <a:defRPr sz="1200"/>
+            </a:lvl1pPr>
+          </a:lstStyle>
+          <a:p>
+            <a:fld id="{C186CBC5-D81B-43A8-B35A-22E1085C8D58}" type="slidenum">
+              <a:rPr lang="ru-RU" smtClean="0"/>
+              <a:t>‹#›</a:t>
+            </a:fld>
+            <a:endParaRPr lang="ru-RU"/>
+          </a:p>
+        </p:txBody>
+      </p:sp>
+    </p:spTree>
+    <p:extLst>
+      <p:ext uri="{BB962C8B-B14F-4D97-AF65-F5344CB8AC3E}">
+        <p14:creationId xmlns:p14="http://schemas.microsoft.com/office/powerpoint/2010/main" val="1353576618"/>
+      </p:ext>
+    </p:extLst>
+  </p:cSld>
+  <p:clrMap bg1="lt1" tx1="dk1" bg2="lt2" tx2="dk2" accent1="accent1" accent2="accent2" accent3="accent3" accent4="accent4" accent5="accent5" accent6="accent6" hlink="hlink" folHlink="folHlink"/>
+  <p:notesStyle>
+    <a:lvl1pPr marL="0" algn="l" defTabSz="914400" rtl="0" eaLnBrk="1" latinLnBrk="0" hangingPunct="1">
+      <a:defRPr sz="1200" kern="1200">
+        <a:solidFill>
+          <a:schemeClr val="tx1"/>
+        </a:solidFill>
+        <a:latin typeface="+mn-lt"/>
+        <a:ea typeface="+mn-ea"/>
+        <a:cs typeface="+mn-cs"/>
+      </a:defRPr>
+    </a:lvl1pPr>
+    <a:lvl2pPr marL="457200" algn="l" defTabSz="914400" rtl="0" eaLnBrk="1" latinLnBrk="0" hangingPunct="1">
+      <a:defRPr sz="1200" kern="1200">
+        <a:solidFill>
+          <a:schemeClr val="tx1"/>
+        </a:solidFill>
+        <a:latin typeface="+mn-lt"/>
+        <a:ea typeface="+mn-ea"/>
+        <a:cs typeface="+mn-cs"/>
+      </a:defRPr>
+    </a:lvl2pPr>
+    <a:lvl3pPr marL="914400" algn="l" defTabSz="914400" rtl="0" eaLnBrk="1" latinLnBrk="0" hangingPunct="1">
+      <a:defRPr sz="1200" kern="1200">
+        <a:solidFill>
+          <a:schemeClr val="tx1"/>
+        </a:solidFill>
+        <a:latin typeface="+mn-lt"/>
+        <a:ea typeface="+mn-ea"/>
+        <a:cs typeface="+mn-cs"/>
+      </a:defRPr>
+    </a:lvl3pPr>
+    <a:lvl4pPr marL="1371600" algn="l" defTabSz="914400" rtl="0" eaLnBrk="1" latinLnBrk="0" hangingPunct="1">
+      <a:defRPr sz="1200" kern="1200">
+        <a:solidFill>
+          <a:schemeClr val="tx1"/>
+        </a:solidFill>
+        <a:latin typeface="+mn-lt"/>
+        <a:ea typeface="+mn-ea"/>
+        <a:cs typeface="+mn-cs"/>
+      </a:defRPr>
+    </a:lvl4pPr>
+    <a:lvl5pPr marL="1828800" algn="l" defTabSz="914400" rtl="0" eaLnBrk="1" latinLnBrk="0" hangingPunct="1">
+      <a:defRPr sz="1200" kern="1200">
+        <a:solidFill>
+          <a:schemeClr val="tx1"/>
+        </a:solidFill>
+        <a:latin typeface="+mn-lt"/>
+        <a:ea typeface="+mn-ea"/>
+        <a:cs typeface="+mn-cs"/>
+      </a:defRPr>
+    </a:lvl5pPr>
+    <a:lvl6pPr marL="2286000" algn="l" defTabSz="914400" rtl="0" eaLnBrk="1" latinLnBrk="0" hangingPunct="1">
+      <a:defRPr sz="1200" kern="1200">
+        <a:solidFill>
+          <a:schemeClr val="tx1"/>
+        </a:solidFill>
+        <a:latin typeface="+mn-lt"/>
+        <a:ea typeface="+mn-ea"/>
+        <a:cs typeface="+mn-cs"/>
+      </a:defRPr>
+    </a:lvl6pPr>
+    <a:lvl7pPr marL="2743200" algn="l" defTabSz="914400" rtl="0" eaLnBrk="1" latinLnBrk="0" hangingPunct="1">
+      <a:defRPr sz="1200" kern="1200">
+        <a:solidFill>
+          <a:schemeClr val="tx1"/>
+        </a:solidFill>
+        <a:latin typeface="+mn-lt"/>
+        <a:ea typeface="+mn-ea"/>
+        <a:cs typeface="+mn-cs"/>
+      </a:defRPr>
+    </a:lvl7pPr>
+    <a:lvl8pPr marL="3200400" algn="l" defTabSz="914400" rtl="0" eaLnBrk="1" latinLnBrk="0" hangingPunct="1">
+      <a:defRPr sz="1200" kern="1200">
+        <a:solidFill>
+          <a:schemeClr val="tx1"/>
+        </a:solidFill>
+        <a:latin typeface="+mn-lt"/>
+        <a:ea typeface="+mn-ea"/>
+        <a:cs typeface="+mn-cs"/>
+      </a:defRPr>
+    </a:lvl8pPr>
+    <a:lvl9pPr marL="3657600" algn="l" defTabSz="914400" rtl="0" eaLnBrk="1" latinLnBrk="0" hangingPunct="1">
+      <a:defRPr sz="1200" kern="1200">
+        <a:solidFill>
+          <a:schemeClr val="tx1"/>
+        </a:solidFill>
+        <a:latin typeface="+mn-lt"/>
+        <a:ea typeface="+mn-ea"/>
+        <a:cs typeface="+mn-cs"/>
+      </a:defRPr>
+    </a:lvl9pPr>
+  </p:notesStyle>
+</p:notesMaster>
+</file>
+
 <file path=ppt/slideLayouts/slideLayout1.xml><?xml version="1.0" encoding="utf-8"?>
 <p:sldLayout xmlns:a="http://schemas.openxmlformats.org/drawingml/2006/main" xmlns:r="http://schemas.openxmlformats.org/officeDocument/2006/relationships" xmlns:p="http://schemas.openxmlformats.org/presentationml/2006/main" type="title" preserve="1">
   <p:cSld name="Титульный слайд">
@@ -303,9 +658,9 @@
           <a:bodyPr/>
           <a:lstStyle/>
           <a:p>
-            <a:fld id="{0F2F26F1-9C31-4C24-BC4B-D776DE729D22}" type="datetimeFigureOut">
-              <a:rPr lang="ru-RU" smtClean="0"/>
-              <a:t>16.01.2019</a:t>
+            <a:fld id="{022928D5-A666-4C9B-812C-34528059455F}" type="datetime1">
+              <a:rPr lang="ru-RU" smtClean="0"/>
+              <a:t>17.01.2019</a:t>
             </a:fld>
             <a:endParaRPr lang="ru-RU"/>
           </a:p>
@@ -578,9 +933,9 @@
           <a:bodyPr/>
           <a:lstStyle/>
           <a:p>
-            <a:fld id="{0F2F26F1-9C31-4C24-BC4B-D776DE729D22}" type="datetimeFigureOut">
-              <a:rPr lang="ru-RU" smtClean="0"/>
-              <a:t>16.01.2019</a:t>
+            <a:fld id="{10D4804B-5BAA-44C7-AE8A-1866343B31F7}" type="datetime1">
+              <a:rPr lang="ru-RU" smtClean="0"/>
+              <a:t>17.01.2019</a:t>
             </a:fld>
             <a:endParaRPr lang="ru-RU"/>
           </a:p>
@@ -772,9 +1127,9 @@
           <a:bodyPr/>
           <a:lstStyle/>
           <a:p>
-            <a:fld id="{0F2F26F1-9C31-4C24-BC4B-D776DE729D22}" type="datetimeFigureOut">
-              <a:rPr lang="ru-RU" smtClean="0"/>
-              <a:t>16.01.2019</a:t>
+            <a:fld id="{33088F67-27D6-40DD-A7E8-1BAAEA55BC13}" type="datetime1">
+              <a:rPr lang="ru-RU" smtClean="0"/>
+              <a:t>17.01.2019</a:t>
             </a:fld>
             <a:endParaRPr lang="ru-RU"/>
           </a:p>
@@ -1045,9 +1400,9 @@
           <a:bodyPr/>
           <a:lstStyle/>
           <a:p>
-            <a:fld id="{0F2F26F1-9C31-4C24-BC4B-D776DE729D22}" type="datetimeFigureOut">
-              <a:rPr lang="ru-RU" smtClean="0"/>
-              <a:t>16.01.2019</a:t>
+            <a:fld id="{4D7836D2-5A8F-4D14-86D1-FCC38FD8F65B}" type="datetime1">
+              <a:rPr lang="ru-RU" smtClean="0"/>
+              <a:t>17.01.2019</a:t>
             </a:fld>
             <a:endParaRPr lang="ru-RU"/>
           </a:p>
@@ -1386,9 +1741,9 @@
           <a:bodyPr/>
           <a:lstStyle/>
           <a:p>
-            <a:fld id="{0F2F26F1-9C31-4C24-BC4B-D776DE729D22}" type="datetimeFigureOut">
-              <a:rPr lang="ru-RU" smtClean="0"/>
-              <a:t>16.01.2019</a:t>
+            <a:fld id="{0C6D3C72-B4F3-4F50-8C27-515D3312DBB2}" type="datetime1">
+              <a:rPr lang="ru-RU" smtClean="0"/>
+              <a:t>17.01.2019</a:t>
             </a:fld>
             <a:endParaRPr lang="ru-RU"/>
           </a:p>
@@ -2009,9 +2364,9 @@
           <a:bodyPr/>
           <a:lstStyle/>
           <a:p>
-            <a:fld id="{0F2F26F1-9C31-4C24-BC4B-D776DE729D22}" type="datetimeFigureOut">
-              <a:rPr lang="ru-RU" smtClean="0"/>
-              <a:t>16.01.2019</a:t>
+            <a:fld id="{C735A83A-221A-4461-9390-07F1353C3FB0}" type="datetime1">
+              <a:rPr lang="ru-RU" smtClean="0"/>
+              <a:t>17.01.2019</a:t>
             </a:fld>
             <a:endParaRPr lang="ru-RU"/>
           </a:p>
@@ -2869,9 +3224,9 @@
           <a:bodyPr/>
           <a:lstStyle/>
           <a:p>
-            <a:fld id="{0F2F26F1-9C31-4C24-BC4B-D776DE729D22}" type="datetimeFigureOut">
-              <a:rPr lang="ru-RU" smtClean="0"/>
-              <a:t>16.01.2019</a:t>
+            <a:fld id="{57506AF9-D56F-4E91-B78B-21AC1490C715}" type="datetime1">
+              <a:rPr lang="ru-RU" smtClean="0"/>
+              <a:t>17.01.2019</a:t>
             </a:fld>
             <a:endParaRPr lang="ru-RU"/>
           </a:p>
@@ -3039,9 +3394,9 @@
           <a:bodyPr/>
           <a:lstStyle/>
           <a:p>
-            <a:fld id="{0F2F26F1-9C31-4C24-BC4B-D776DE729D22}" type="datetimeFigureOut">
-              <a:rPr lang="ru-RU" smtClean="0"/>
-              <a:t>16.01.2019</a:t>
+            <a:fld id="{1362B633-025D-483D-B620-E8B19DE3E7CC}" type="datetime1">
+              <a:rPr lang="ru-RU" smtClean="0"/>
+              <a:t>17.01.2019</a:t>
             </a:fld>
             <a:endParaRPr lang="ru-RU"/>
           </a:p>
@@ -3219,9 +3574,9 @@
           <a:bodyPr/>
           <a:lstStyle/>
           <a:p>
-            <a:fld id="{0F2F26F1-9C31-4C24-BC4B-D776DE729D22}" type="datetimeFigureOut">
-              <a:rPr lang="ru-RU" smtClean="0"/>
-              <a:t>16.01.2019</a:t>
+            <a:fld id="{534B7B55-04B4-49DC-B7D1-85CA48BDBB97}" type="datetime1">
+              <a:rPr lang="ru-RU" smtClean="0"/>
+              <a:t>17.01.2019</a:t>
             </a:fld>
             <a:endParaRPr lang="ru-RU"/>
           </a:p>
@@ -3389,9 +3744,9 @@
           <a:bodyPr/>
           <a:lstStyle/>
           <a:p>
-            <a:fld id="{0F2F26F1-9C31-4C24-BC4B-D776DE729D22}" type="datetimeFigureOut">
-              <a:rPr lang="ru-RU" smtClean="0"/>
-              <a:t>16.01.2019</a:t>
+            <a:fld id="{77435E8F-5497-47E6-A29A-6858CCA87B62}" type="datetime1">
+              <a:rPr lang="ru-RU" smtClean="0"/>
+              <a:t>17.01.2019</a:t>
             </a:fld>
             <a:endParaRPr lang="ru-RU"/>
           </a:p>
@@ -3636,9 +3991,9 @@
           <a:bodyPr/>
           <a:lstStyle/>
           <a:p>
-            <a:fld id="{0F2F26F1-9C31-4C24-BC4B-D776DE729D22}" type="datetimeFigureOut">
-              <a:rPr lang="ru-RU" smtClean="0"/>
-              <a:t>16.01.2019</a:t>
+            <a:fld id="{1252AF93-E270-49DE-B5AB-72E9F45711BB}" type="datetime1">
+              <a:rPr lang="ru-RU" smtClean="0"/>
+              <a:t>17.01.2019</a:t>
             </a:fld>
             <a:endParaRPr lang="ru-RU"/>
           </a:p>
@@ -3928,9 +4283,9 @@
           <a:bodyPr/>
           <a:lstStyle/>
           <a:p>
-            <a:fld id="{0F2F26F1-9C31-4C24-BC4B-D776DE729D22}" type="datetimeFigureOut">
-              <a:rPr lang="ru-RU" smtClean="0"/>
-              <a:t>16.01.2019</a:t>
+            <a:fld id="{E2D1C142-283A-44D6-B3F8-016E7CAEFFC7}" type="datetime1">
+              <a:rPr lang="ru-RU" smtClean="0"/>
+              <a:t>17.01.2019</a:t>
             </a:fld>
             <a:endParaRPr lang="ru-RU"/>
           </a:p>
@@ -4372,9 +4727,9 @@
           <a:bodyPr/>
           <a:lstStyle/>
           <a:p>
-            <a:fld id="{0F2F26F1-9C31-4C24-BC4B-D776DE729D22}" type="datetimeFigureOut">
-              <a:rPr lang="ru-RU" smtClean="0"/>
-              <a:t>16.01.2019</a:t>
+            <a:fld id="{1AA2E5B1-E6C5-457B-AC8D-00CF56E19E86}" type="datetime1">
+              <a:rPr lang="ru-RU" smtClean="0"/>
+              <a:t>17.01.2019</a:t>
             </a:fld>
             <a:endParaRPr lang="ru-RU"/>
           </a:p>
@@ -4490,9 +4845,9 @@
           <a:bodyPr/>
           <a:lstStyle/>
           <a:p>
-            <a:fld id="{0F2F26F1-9C31-4C24-BC4B-D776DE729D22}" type="datetimeFigureOut">
-              <a:rPr lang="ru-RU" smtClean="0"/>
-              <a:t>16.01.2019</a:t>
+            <a:fld id="{863BB676-3DAE-48CA-8899-2D2780FABB2B}" type="datetime1">
+              <a:rPr lang="ru-RU" smtClean="0"/>
+              <a:t>17.01.2019</a:t>
             </a:fld>
             <a:endParaRPr lang="ru-RU"/>
           </a:p>
@@ -4585,9 +4940,9 @@
           <a:bodyPr/>
           <a:lstStyle/>
           <a:p>
-            <a:fld id="{0F2F26F1-9C31-4C24-BC4B-D776DE729D22}" type="datetimeFigureOut">
-              <a:rPr lang="ru-RU" smtClean="0"/>
-              <a:t>16.01.2019</a:t>
+            <a:fld id="{7082E4F7-0870-493B-BC9F-3A33752C261D}" type="datetime1">
+              <a:rPr lang="ru-RU" smtClean="0"/>
+              <a:t>17.01.2019</a:t>
             </a:fld>
             <a:endParaRPr lang="ru-RU"/>
           </a:p>
@@ -4864,9 +5219,9 @@
           <a:bodyPr/>
           <a:lstStyle/>
           <a:p>
-            <a:fld id="{0F2F26F1-9C31-4C24-BC4B-D776DE729D22}" type="datetimeFigureOut">
-              <a:rPr lang="ru-RU" smtClean="0"/>
-              <a:t>16.01.2019</a:t>
+            <a:fld id="{5D528006-FC64-4C06-AA72-7F1D3BACEC48}" type="datetime1">
+              <a:rPr lang="ru-RU" smtClean="0"/>
+              <a:t>17.01.2019</a:t>
             </a:fld>
             <a:endParaRPr lang="ru-RU"/>
           </a:p>
@@ -5139,9 +5494,9 @@
           <a:bodyPr/>
           <a:lstStyle/>
           <a:p>
-            <a:fld id="{0F2F26F1-9C31-4C24-BC4B-D776DE729D22}" type="datetimeFigureOut">
-              <a:rPr lang="ru-RU" smtClean="0"/>
-              <a:t>16.01.2019</a:t>
+            <a:fld id="{15BF0A8E-890C-4B39-A98A-0174B3B6C44D}" type="datetime1">
+              <a:rPr lang="ru-RU" smtClean="0"/>
+              <a:t>17.01.2019</a:t>
             </a:fld>
             <a:endParaRPr lang="ru-RU"/>
           </a:p>
@@ -5568,9 +5923,9 @@
             </a:lvl1pPr>
           </a:lstStyle>
           <a:p>
-            <a:fld id="{0F2F26F1-9C31-4C24-BC4B-D776DE729D22}" type="datetimeFigureOut">
-              <a:rPr lang="ru-RU" smtClean="0"/>
-              <a:t>16.01.2019</a:t>
+            <a:fld id="{DAE511DB-493E-4FFE-9B84-4369EE177967}" type="datetime1">
+              <a:rPr lang="ru-RU" smtClean="0"/>
+              <a:t>17.01.2019</a:t>
             </a:fld>
             <a:endParaRPr lang="ru-RU"/>
           </a:p>
@@ -5682,6 +6037,7 @@
     <p:sldLayoutId id="2147483676" r:id="rId16"/>
     <p:sldLayoutId id="2147483677" r:id="rId17"/>
   </p:sldLayoutIdLst>
+  <p:hf hdr="0" ftr="0" dt="0"/>
   <p:txStyles>
     <p:titleStyle>
       <a:lvl1pPr algn="l" defTabSz="457200" rtl="0" eaLnBrk="1" latinLnBrk="0" hangingPunct="1">
@@ -6194,6 +6550,117 @@
 </p:sld>
 </file>
 
+<file path=ppt/slides/slide10.xml><?xml version="1.0" encoding="utf-8"?>
+<p:sld xmlns:a="http://schemas.openxmlformats.org/drawingml/2006/main" xmlns:r="http://schemas.openxmlformats.org/officeDocument/2006/relationships" xmlns:p="http://schemas.openxmlformats.org/presentationml/2006/main">
+  <p:cSld>
+    <p:spTree>
+      <p:nvGrpSpPr>
+        <p:cNvPr id="1" name=""/>
+        <p:cNvGrpSpPr/>
+        <p:nvPr/>
+      </p:nvGrpSpPr>
+      <p:grpSpPr>
+        <a:xfrm>
+          <a:off x="0" y="0"/>
+          <a:ext cx="0" cy="0"/>
+          <a:chOff x="0" y="0"/>
+          <a:chExt cx="0" cy="0"/>
+        </a:xfrm>
+      </p:grpSpPr>
+      <p:sp>
+        <p:nvSpPr>
+          <p:cNvPr id="2" name="Заголовок 1"/>
+          <p:cNvSpPr>
+            <a:spLocks noGrp="1"/>
+          </p:cNvSpPr>
+          <p:nvPr>
+            <p:ph type="title"/>
+          </p:nvPr>
+        </p:nvSpPr>
+        <p:spPr/>
+        <p:txBody>
+          <a:bodyPr/>
+          <a:lstStyle/>
+          <a:p>
+            <a:r>
+              <a:rPr lang="ru-RU" dirty="0" smtClean="0"/>
+              <a:t>Цели на будущее:</a:t>
+            </a:r>
+            <a:endParaRPr lang="ru-RU" dirty="0"/>
+          </a:p>
+        </p:txBody>
+      </p:sp>
+      <p:sp>
+        <p:nvSpPr>
+          <p:cNvPr id="3" name="Объект 2"/>
+          <p:cNvSpPr>
+            <a:spLocks noGrp="1"/>
+          </p:cNvSpPr>
+          <p:nvPr>
+            <p:ph idx="1"/>
+          </p:nvPr>
+        </p:nvSpPr>
+        <p:spPr/>
+        <p:txBody>
+          <a:bodyPr/>
+          <a:lstStyle/>
+          <a:p>
+            <a:r>
+              <a:rPr lang="ru-RU" dirty="0" smtClean="0"/>
+              <a:t>Разработать ПО</a:t>
+            </a:r>
+          </a:p>
+          <a:p>
+            <a:r>
+              <a:rPr lang="ru-RU" dirty="0" smtClean="0"/>
+              <a:t>Создать топологию сети</a:t>
+            </a:r>
+          </a:p>
+          <a:p>
+            <a:r>
+              <a:rPr lang="ru-RU" dirty="0" smtClean="0"/>
+              <a:t>Воплотить устройства «в железе»</a:t>
+            </a:r>
+            <a:endParaRPr lang="ru-RU" dirty="0"/>
+          </a:p>
+        </p:txBody>
+      </p:sp>
+      <p:sp>
+        <p:nvSpPr>
+          <p:cNvPr id="4" name="Номер слайда 3"/>
+          <p:cNvSpPr>
+            <a:spLocks noGrp="1"/>
+          </p:cNvSpPr>
+          <p:nvPr>
+            <p:ph type="sldNum" sz="quarter" idx="12"/>
+          </p:nvPr>
+        </p:nvSpPr>
+        <p:spPr/>
+        <p:txBody>
+          <a:bodyPr/>
+          <a:lstStyle/>
+          <a:p>
+            <a:fld id="{0CAA76DD-086B-432D-8EC2-7B7ED6544E5B}" type="slidenum">
+              <a:rPr lang="ru-RU" smtClean="0"/>
+              <a:t>10</a:t>
+            </a:fld>
+            <a:endParaRPr lang="ru-RU"/>
+          </a:p>
+        </p:txBody>
+      </p:sp>
+    </p:spTree>
+    <p:extLst>
+      <p:ext uri="{BB962C8B-B14F-4D97-AF65-F5344CB8AC3E}">
+        <p14:creationId xmlns:p14="http://schemas.microsoft.com/office/powerpoint/2010/main" val="3942887676"/>
+      </p:ext>
+    </p:extLst>
+  </p:cSld>
+  <p:clrMapOvr>
+    <a:masterClrMapping/>
+  </p:clrMapOvr>
+</p:sld>
+</file>
+
 <file path=ppt/slides/slide2.xml><?xml version="1.0" encoding="utf-8"?>
 <p:sld xmlns:a="http://schemas.openxmlformats.org/drawingml/2006/main" xmlns:r="http://schemas.openxmlformats.org/officeDocument/2006/relationships" xmlns:p="http://schemas.openxmlformats.org/presentationml/2006/main">
   <p:cSld>
@@ -6235,11 +6702,7 @@
           <a:p>
             <a:r>
               <a:rPr lang="ru-RU" sz="3600" dirty="0" smtClean="0"/>
-              <a:t>Цель работы: разработка интеллектуальной </a:t>
-            </a:r>
-            <a:r>
-              <a:rPr lang="ru-RU" sz="3600" dirty="0" smtClean="0"/>
-              <a:t>системы </a:t>
+              <a:t>Цель работы: разработка интеллектуальной системы </a:t>
             </a:r>
             <a:r>
               <a:rPr lang="ru-RU" sz="3600" smtClean="0"/>
@@ -6249,6 +6712,29 @@
               <a:rPr lang="ru-RU" sz="3600" dirty="0" smtClean="0"/>
               <a:t>для уменьшения энергопотребления в офисных/коммерческих помещениях или местах общего пользования</a:t>
             </a:r>
+          </a:p>
+        </p:txBody>
+      </p:sp>
+      <p:sp>
+        <p:nvSpPr>
+          <p:cNvPr id="2" name="Номер слайда 1"/>
+          <p:cNvSpPr>
+            <a:spLocks noGrp="1"/>
+          </p:cNvSpPr>
+          <p:nvPr>
+            <p:ph type="sldNum" sz="quarter" idx="12"/>
+          </p:nvPr>
+        </p:nvSpPr>
+        <p:spPr/>
+        <p:txBody>
+          <a:bodyPr/>
+          <a:lstStyle/>
+          <a:p>
+            <a:fld id="{0CAA76DD-086B-432D-8EC2-7B7ED6544E5B}" type="slidenum">
+              <a:rPr lang="ru-RU" smtClean="0"/>
+              <a:t>2</a:t>
+            </a:fld>
+            <a:endParaRPr lang="ru-RU"/>
           </a:p>
         </p:txBody>
       </p:sp>
@@ -6356,9 +6842,42 @@
           <a:p>
             <a:r>
               <a:rPr lang="ru-RU" dirty="0" smtClean="0"/>
-              <a:t>Дистанционное управление</a:t>
+              <a:t>Дистанционное </a:t>
+            </a:r>
+            <a:r>
+              <a:rPr lang="ru-RU" dirty="0" smtClean="0"/>
+              <a:t>управление</a:t>
+            </a:r>
+          </a:p>
+          <a:p>
+            <a:r>
+              <a:rPr lang="ru-RU" dirty="0" smtClean="0"/>
+              <a:t>Устройства управления освещением</a:t>
             </a:r>
             <a:endParaRPr lang="ru-RU" dirty="0"/>
+          </a:p>
+        </p:txBody>
+      </p:sp>
+      <p:sp>
+        <p:nvSpPr>
+          <p:cNvPr id="4" name="Номер слайда 3"/>
+          <p:cNvSpPr>
+            <a:spLocks noGrp="1"/>
+          </p:cNvSpPr>
+          <p:nvPr>
+            <p:ph type="sldNum" sz="quarter" idx="12"/>
+          </p:nvPr>
+        </p:nvSpPr>
+        <p:spPr/>
+        <p:txBody>
+          <a:bodyPr/>
+          <a:lstStyle/>
+          <a:p>
+            <a:fld id="{0CAA76DD-086B-432D-8EC2-7B7ED6544E5B}" type="slidenum">
+              <a:rPr lang="ru-RU" smtClean="0"/>
+              <a:t>3</a:t>
+            </a:fld>
+            <a:endParaRPr lang="ru-RU"/>
           </a:p>
         </p:txBody>
       </p:sp>
@@ -6498,11 +7017,34 @@
           </a:p>
         </p:txBody>
       </p:sp>
+      <p:sp>
+        <p:nvSpPr>
+          <p:cNvPr id="4" name="Номер слайда 3"/>
+          <p:cNvSpPr>
+            <a:spLocks noGrp="1"/>
+          </p:cNvSpPr>
+          <p:nvPr>
+            <p:ph type="sldNum" sz="quarter" idx="12"/>
+          </p:nvPr>
+        </p:nvSpPr>
+        <p:spPr/>
+        <p:txBody>
+          <a:bodyPr/>
+          <a:lstStyle/>
+          <a:p>
+            <a:fld id="{0CAA76DD-086B-432D-8EC2-7B7ED6544E5B}" type="slidenum">
+              <a:rPr lang="ru-RU" smtClean="0"/>
+              <a:t>4</a:t>
+            </a:fld>
+            <a:endParaRPr lang="ru-RU"/>
+          </a:p>
+        </p:txBody>
+      </p:sp>
       <p:pic>
         <p:nvPicPr>
-          <p:cNvPr id="1026" name="Picture 2" descr="Структурная схема master"/>
+          <p:cNvPr id="5" name="Рисунок 4"/>
           <p:cNvPicPr>
-            <a:picLocks noChangeAspect="1" noChangeArrowheads="1"/>
+            <a:picLocks noChangeAspect="1"/>
           </p:cNvPicPr>
           <p:nvPr/>
         </p:nvPicPr>
@@ -6514,42 +7056,48 @@
               </a:ext>
             </a:extLst>
           </a:blip>
-          <a:srcRect/>
           <a:stretch>
             <a:fillRect/>
           </a:stretch>
         </p:blipFill>
-        <p:spPr bwMode="auto">
+        <p:spPr>
           <a:xfrm>
-            <a:off x="5647965" y="2052918"/>
-            <a:ext cx="4401888" cy="2745325"/>
+            <a:off x="6058669" y="1853248"/>
+            <a:ext cx="4400550" cy="3695700"/>
           </a:xfrm>
           <a:prstGeom prst="rect">
             <a:avLst/>
           </a:prstGeom>
-          <a:noFill/>
-          <a:ln>
-            <a:noFill/>
+          <a:ln cmpd="tri">
+            <a:gradFill>
+              <a:gsLst>
+                <a:gs pos="100000">
+                  <a:schemeClr val="accent4">
+                    <a:lumMod val="75000"/>
+                  </a:schemeClr>
+                </a:gs>
+                <a:gs pos="74000">
+                  <a:schemeClr val="accent1">
+                    <a:lumMod val="45000"/>
+                    <a:lumOff val="55000"/>
+                  </a:schemeClr>
+                </a:gs>
+                <a:gs pos="83000">
+                  <a:schemeClr val="accent1">
+                    <a:lumMod val="45000"/>
+                    <a:lumOff val="55000"/>
+                  </a:schemeClr>
+                </a:gs>
+                <a:gs pos="100000">
+                  <a:schemeClr val="accent1">
+                    <a:lumMod val="30000"/>
+                    <a:lumOff val="70000"/>
+                  </a:schemeClr>
+                </a:gs>
+              </a:gsLst>
+              <a:lin ang="5400000" scaled="1"/>
+            </a:gradFill>
           </a:ln>
-          <a:extLst>
-            <a:ext uri="{909E8E84-426E-40DD-AFC4-6F175D3DCCD1}">
-              <a14:hiddenFill xmlns:a14="http://schemas.microsoft.com/office/drawing/2010/main">
-                <a:solidFill>
-                  <a:srgbClr val="FFFFFF"/>
-                </a:solidFill>
-              </a14:hiddenFill>
-            </a:ext>
-            <a:ext uri="{91240B29-F687-4F45-9708-019B960494DF}">
-              <a14:hiddenLine xmlns:a14="http://schemas.microsoft.com/office/drawing/2010/main" w="9525">
-                <a:solidFill>
-                  <a:srgbClr val="000000"/>
-                </a:solidFill>
-                <a:miter lim="800000"/>
-                <a:headEnd/>
-                <a:tailEnd/>
-              </a14:hiddenLine>
-            </a:ext>
-          </a:extLst>
         </p:spPr>
       </p:pic>
     </p:spTree>
@@ -6613,9 +7161,101 @@
           </a:p>
         </p:txBody>
       </p:sp>
+      <p:sp>
+        <p:nvSpPr>
+          <p:cNvPr id="10" name="Объект 9"/>
+          <p:cNvSpPr>
+            <a:spLocks noGrp="1"/>
+          </p:cNvSpPr>
+          <p:nvPr>
+            <p:ph sz="half" idx="2"/>
+          </p:nvPr>
+        </p:nvSpPr>
+        <p:spPr>
+          <a:xfrm>
+            <a:off x="952131" y="2093799"/>
+            <a:ext cx="4396341" cy="3581137"/>
+          </a:xfrm>
+        </p:spPr>
+        <p:txBody>
+          <a:bodyPr/>
+          <a:lstStyle/>
+          <a:p>
+            <a:r>
+              <a:rPr lang="ru-RU" dirty="0"/>
+              <a:t>МК </a:t>
+            </a:r>
+            <a:r>
+              <a:rPr lang="en-US" dirty="0"/>
+              <a:t>STM32F100</a:t>
+            </a:r>
+          </a:p>
+          <a:p>
+            <a:r>
+              <a:rPr lang="ru-RU" dirty="0" err="1" smtClean="0"/>
+              <a:t>Радиомодуль</a:t>
+            </a:r>
+            <a:r>
+              <a:rPr lang="ru-RU" dirty="0" smtClean="0"/>
+              <a:t> </a:t>
+            </a:r>
+            <a:r>
+              <a:rPr lang="en-US" dirty="0"/>
+              <a:t>CC1101</a:t>
+            </a:r>
+          </a:p>
+          <a:p>
+            <a:r>
+              <a:rPr lang="ru-RU" dirty="0"/>
+              <a:t>Датчик движения </a:t>
+            </a:r>
+            <a:r>
+              <a:rPr lang="en-US" dirty="0"/>
+              <a:t>HC-SR501</a:t>
+            </a:r>
+          </a:p>
+          <a:p>
+            <a:r>
+              <a:rPr lang="ru-RU" dirty="0"/>
+              <a:t>Датчик освещенности </a:t>
+            </a:r>
+            <a:r>
+              <a:rPr lang="en-US" dirty="0"/>
+              <a:t>KY-018</a:t>
+            </a:r>
+            <a:endParaRPr lang="ru-RU" dirty="0"/>
+          </a:p>
+          <a:p>
+            <a:endParaRPr lang="ru-RU" dirty="0"/>
+          </a:p>
+        </p:txBody>
+      </p:sp>
+      <p:sp>
+        <p:nvSpPr>
+          <p:cNvPr id="3" name="Номер слайда 2"/>
+          <p:cNvSpPr>
+            <a:spLocks noGrp="1"/>
+          </p:cNvSpPr>
+          <p:nvPr>
+            <p:ph type="sldNum" sz="quarter" idx="12"/>
+          </p:nvPr>
+        </p:nvSpPr>
+        <p:spPr/>
+        <p:txBody>
+          <a:bodyPr/>
+          <a:lstStyle/>
+          <a:p>
+            <a:fld id="{0CAA76DD-086B-432D-8EC2-7B7ED6544E5B}" type="slidenum">
+              <a:rPr lang="ru-RU" smtClean="0"/>
+              <a:t>5</a:t>
+            </a:fld>
+            <a:endParaRPr lang="ru-RU"/>
+          </a:p>
+        </p:txBody>
+      </p:sp>
       <p:pic>
         <p:nvPicPr>
-          <p:cNvPr id="9" name="Объект 8"/>
+          <p:cNvPr id="5" name="Объект 4"/>
           <p:cNvPicPr>
             <a:picLocks noGrp="1" noChangeAspect="1"/>
           </p:cNvPicPr>
@@ -6624,90 +7264,54 @@
           </p:nvPr>
         </p:nvPicPr>
         <p:blipFill>
-          <a:blip r:embed="rId2"/>
+          <a:blip r:embed="rId2">
+            <a:extLst>
+              <a:ext uri="{28A0092B-C50C-407E-A947-70E740481C1C}">
+                <a14:useLocalDpi xmlns:a14="http://schemas.microsoft.com/office/drawing/2010/main" val="0"/>
+              </a:ext>
+            </a:extLst>
+          </a:blip>
           <a:stretch>
             <a:fillRect/>
           </a:stretch>
         </p:blipFill>
         <p:spPr>
           <a:xfrm>
-            <a:off x="5348472" y="2093799"/>
-            <a:ext cx="4395787" cy="2842388"/>
+            <a:off x="6063933" y="1853248"/>
+            <a:ext cx="4395787" cy="3691699"/>
           </a:xfrm>
-          <a:prstGeom prst="rect">
-            <a:avLst/>
-          </a:prstGeom>
+          <a:ln cmpd="tri">
+            <a:gradFill flip="none" rotWithShape="1">
+              <a:gsLst>
+                <a:gs pos="100000">
+                  <a:schemeClr val="accent4">
+                    <a:lumMod val="93000"/>
+                  </a:schemeClr>
+                </a:gs>
+                <a:gs pos="23000">
+                  <a:schemeClr val="accent4">
+                    <a:lumMod val="89000"/>
+                  </a:schemeClr>
+                </a:gs>
+                <a:gs pos="69000">
+                  <a:schemeClr val="accent4">
+                    <a:lumMod val="75000"/>
+                  </a:schemeClr>
+                </a:gs>
+                <a:gs pos="97000">
+                  <a:schemeClr val="accent4">
+                    <a:lumMod val="70000"/>
+                  </a:schemeClr>
+                </a:gs>
+              </a:gsLst>
+              <a:path path="circle">
+                <a:fillToRect l="50000" t="50000" r="50000" b="50000"/>
+              </a:path>
+              <a:tileRect/>
+            </a:gradFill>
+          </a:ln>
         </p:spPr>
       </p:pic>
-      <p:sp>
-        <p:nvSpPr>
-          <p:cNvPr id="10" name="Объект 9"/>
-          <p:cNvSpPr>
-            <a:spLocks noGrp="1"/>
-          </p:cNvSpPr>
-          <p:nvPr>
-            <p:ph sz="half" idx="2"/>
-          </p:nvPr>
-        </p:nvSpPr>
-        <p:spPr>
-          <a:xfrm>
-            <a:off x="952131" y="2093799"/>
-            <a:ext cx="4396341" cy="3581137"/>
-          </a:xfrm>
-        </p:spPr>
-        <p:txBody>
-          <a:bodyPr/>
-          <a:lstStyle/>
-          <a:p>
-            <a:r>
-              <a:rPr lang="ru-RU" dirty="0"/>
-              <a:t>МК </a:t>
-            </a:r>
-            <a:r>
-              <a:rPr lang="en-US" dirty="0"/>
-              <a:t>STM32F100</a:t>
-            </a:r>
-          </a:p>
-          <a:p>
-            <a:r>
-              <a:rPr lang="ru-RU" dirty="0" err="1" smtClean="0"/>
-              <a:t>Радиомодуль</a:t>
-            </a:r>
-            <a:r>
-              <a:rPr lang="ru-RU" dirty="0" smtClean="0"/>
-              <a:t> </a:t>
-            </a:r>
-            <a:r>
-              <a:rPr lang="en-US" dirty="0"/>
-              <a:t>CC1101</a:t>
-            </a:r>
-          </a:p>
-          <a:p>
-            <a:r>
-              <a:rPr lang="ru-RU" dirty="0"/>
-              <a:t>Датчик движения </a:t>
-            </a:r>
-            <a:r>
-              <a:rPr lang="en-US" dirty="0"/>
-              <a:t>HC-SR501</a:t>
-            </a:r>
-          </a:p>
-          <a:p>
-            <a:r>
-              <a:rPr lang="ru-RU" dirty="0"/>
-              <a:t>Датчик освещенности </a:t>
-            </a:r>
-            <a:r>
-              <a:rPr lang="en-US" dirty="0"/>
-              <a:t>KY-018</a:t>
-            </a:r>
-            <a:endParaRPr lang="ru-RU" dirty="0"/>
-          </a:p>
-          <a:p>
-            <a:endParaRPr lang="ru-RU" dirty="0"/>
-          </a:p>
-        </p:txBody>
-      </p:sp>
     </p:spTree>
     <p:extLst>
       <p:ext uri="{BB962C8B-B14F-4D97-AF65-F5344CB8AC3E}">
@@ -6740,7 +7344,7 @@
       </p:grpSpPr>
       <p:sp>
         <p:nvSpPr>
-          <p:cNvPr id="7" name="Заголовок 6"/>
+          <p:cNvPr id="2" name="Заголовок 1"/>
           <p:cNvSpPr>
             <a:spLocks noGrp="1"/>
           </p:cNvSpPr>
@@ -6755,7 +7359,7 @@
           <a:p>
             <a:r>
               <a:rPr lang="ru-RU" dirty="0" smtClean="0"/>
-              <a:t>Функционал системы</a:t>
+              <a:t>Устройство управления освещением</a:t>
             </a:r>
             <a:endParaRPr lang="ru-RU" dirty="0"/>
           </a:p>
@@ -6763,7 +7367,7 @@
       </p:sp>
       <p:sp>
         <p:nvSpPr>
-          <p:cNvPr id="8" name="Объект 7"/>
+          <p:cNvPr id="3" name="Объект 2"/>
           <p:cNvSpPr>
             <a:spLocks noGrp="1"/>
           </p:cNvSpPr>
@@ -6778,34 +7382,83 @@
           <a:p>
             <a:r>
               <a:rPr lang="ru-RU" dirty="0" smtClean="0"/>
-              <a:t>Автоматическая регулировка яркости освещения</a:t>
-            </a:r>
-          </a:p>
-          <a:p>
+              <a:t>Микроконтроллер </a:t>
+            </a:r>
+            <a:r>
+              <a:rPr lang="en-US" dirty="0" smtClean="0"/>
+              <a:t>STM32F100</a:t>
+            </a:r>
+          </a:p>
+          <a:p>
+            <a:r>
+              <a:rPr lang="ru-RU" dirty="0" err="1" smtClean="0"/>
+              <a:t>Радиомодуль</a:t>
+            </a:r>
             <a:r>
               <a:rPr lang="ru-RU" dirty="0" smtClean="0"/>
-              <a:t>Автоматическое включение и отключение освещение</a:t>
-            </a:r>
-          </a:p>
-          <a:p>
-            <a:r>
-              <a:rPr lang="ru-RU" dirty="0" smtClean="0"/>
-              <a:t>Отключение освещения в пустых помещениях</a:t>
-            </a:r>
-          </a:p>
-          <a:p>
-            <a:r>
-              <a:rPr lang="ru-RU" dirty="0" smtClean="0"/>
-              <a:t>Удаленное управление освещением</a:t>
+              <a:t> СС1101</a:t>
             </a:r>
             <a:endParaRPr lang="ru-RU" dirty="0"/>
           </a:p>
         </p:txBody>
       </p:sp>
+      <p:sp>
+        <p:nvSpPr>
+          <p:cNvPr id="4" name="Номер слайда 3"/>
+          <p:cNvSpPr>
+            <a:spLocks noGrp="1"/>
+          </p:cNvSpPr>
+          <p:nvPr>
+            <p:ph type="sldNum" sz="quarter" idx="12"/>
+          </p:nvPr>
+        </p:nvSpPr>
+        <p:spPr/>
+        <p:txBody>
+          <a:bodyPr/>
+          <a:lstStyle/>
+          <a:p>
+            <a:fld id="{0CAA76DD-086B-432D-8EC2-7B7ED6544E5B}" type="slidenum">
+              <a:rPr lang="ru-RU" smtClean="0"/>
+              <a:t>6</a:t>
+            </a:fld>
+            <a:endParaRPr lang="ru-RU"/>
+          </a:p>
+        </p:txBody>
+      </p:sp>
+      <p:pic>
+        <p:nvPicPr>
+          <p:cNvPr id="5" name="Рисунок 4"/>
+          <p:cNvPicPr>
+            <a:picLocks noChangeAspect="1"/>
+          </p:cNvPicPr>
+          <p:nvPr/>
+        </p:nvPicPr>
+        <p:blipFill>
+          <a:blip r:embed="rId2">
+            <a:extLst>
+              <a:ext uri="{28A0092B-C50C-407E-A947-70E740481C1C}">
+                <a14:useLocalDpi xmlns:a14="http://schemas.microsoft.com/office/drawing/2010/main" val="0"/>
+              </a:ext>
+            </a:extLst>
+          </a:blip>
+          <a:stretch>
+            <a:fillRect/>
+          </a:stretch>
+        </p:blipFill>
+        <p:spPr>
+          <a:xfrm>
+            <a:off x="5951990" y="1853248"/>
+            <a:ext cx="4400550" cy="3695700"/>
+          </a:xfrm>
+          <a:prstGeom prst="rect">
+            <a:avLst/>
+          </a:prstGeom>
+        </p:spPr>
+      </p:pic>
     </p:spTree>
     <p:extLst>
       <p:ext uri="{BB962C8B-B14F-4D97-AF65-F5344CB8AC3E}">
-        <p14:creationId xmlns:p14="http://schemas.microsoft.com/office/powerpoint/2010/main" val="1637742797"/>
+        <p14:creationId xmlns:p14="http://schemas.microsoft.com/office/powerpoint/2010/main" val="237473382"/>
       </p:ext>
     </p:extLst>
   </p:cSld>
@@ -6834,7 +7487,7 @@
       </p:grpSpPr>
       <p:sp>
         <p:nvSpPr>
-          <p:cNvPr id="2" name="Заголовок 1"/>
+          <p:cNvPr id="7" name="Заголовок 6"/>
           <p:cNvSpPr>
             <a:spLocks noGrp="1"/>
           </p:cNvSpPr>
@@ -6849,73 +7502,80 @@
           <a:p>
             <a:r>
               <a:rPr lang="ru-RU" dirty="0" smtClean="0"/>
-              <a:t>Расчетная себестоимость одного модуля системы:</a:t>
+              <a:t>Функционал системы</a:t>
             </a:r>
             <a:endParaRPr lang="ru-RU" dirty="0"/>
           </a:p>
         </p:txBody>
       </p:sp>
-      <p:pic>
-        <p:nvPicPr>
-          <p:cNvPr id="4" name="Объект 3"/>
-          <p:cNvPicPr>
-            <a:picLocks noGrp="1" noChangeAspect="1"/>
-          </p:cNvPicPr>
-          <p:nvPr>
-            <p:ph sz="half" idx="1"/>
-          </p:nvPr>
-        </p:nvPicPr>
-        <p:blipFill>
-          <a:blip r:embed="rId2">
-            <a:extLst>
-              <a:ext uri="{28A0092B-C50C-407E-A947-70E740481C1C}">
-                <a14:useLocalDpi xmlns:a14="http://schemas.microsoft.com/office/drawing/2010/main" val="0"/>
-              </a:ext>
-            </a:extLst>
-          </a:blip>
-          <a:stretch>
-            <a:fillRect/>
-          </a:stretch>
-        </p:blipFill>
-        <p:spPr>
-          <a:xfrm>
-            <a:off x="811082" y="2227390"/>
-            <a:ext cx="5712511" cy="2372889"/>
-          </a:xfrm>
-        </p:spPr>
-      </p:pic>
-      <p:sp>
-        <p:nvSpPr>
-          <p:cNvPr id="5" name="Объект 4"/>
-          <p:cNvSpPr>
-            <a:spLocks noGrp="1"/>
-          </p:cNvSpPr>
-          <p:nvPr>
-            <p:ph sz="half" idx="2"/>
-          </p:nvPr>
-        </p:nvSpPr>
-        <p:spPr>
-          <a:xfrm>
-            <a:off x="923827" y="4703975"/>
-            <a:ext cx="5599766" cy="1291472"/>
-          </a:xfrm>
-        </p:spPr>
+      <p:sp>
+        <p:nvSpPr>
+          <p:cNvPr id="8" name="Объект 7"/>
+          <p:cNvSpPr>
+            <a:spLocks noGrp="1"/>
+          </p:cNvSpPr>
+          <p:nvPr>
+            <p:ph idx="1"/>
+          </p:nvPr>
+        </p:nvSpPr>
+        <p:spPr/>
         <p:txBody>
           <a:bodyPr/>
           <a:lstStyle/>
           <a:p>
             <a:r>
               <a:rPr lang="ru-RU" dirty="0" smtClean="0"/>
-              <a:t>Итого: 464.58 рублей.</a:t>
+              <a:t>Автоматическая регулировка яркости освещения</a:t>
+            </a:r>
+          </a:p>
+          <a:p>
+            <a:r>
+              <a:rPr lang="ru-RU" dirty="0" smtClean="0"/>
+              <a:t>Автоматическое включение и отключение освещение</a:t>
+            </a:r>
+          </a:p>
+          <a:p>
+            <a:r>
+              <a:rPr lang="ru-RU" dirty="0" smtClean="0"/>
+              <a:t>Отключение освещения в пустых помещениях</a:t>
+            </a:r>
+          </a:p>
+          <a:p>
+            <a:r>
+              <a:rPr lang="ru-RU" dirty="0" smtClean="0"/>
+              <a:t>Удаленное управление освещением</a:t>
             </a:r>
             <a:endParaRPr lang="ru-RU" dirty="0"/>
+          </a:p>
+        </p:txBody>
+      </p:sp>
+      <p:sp>
+        <p:nvSpPr>
+          <p:cNvPr id="2" name="Номер слайда 1"/>
+          <p:cNvSpPr>
+            <a:spLocks noGrp="1"/>
+          </p:cNvSpPr>
+          <p:nvPr>
+            <p:ph type="sldNum" sz="quarter" idx="12"/>
+          </p:nvPr>
+        </p:nvSpPr>
+        <p:spPr/>
+        <p:txBody>
+          <a:bodyPr/>
+          <a:lstStyle/>
+          <a:p>
+            <a:fld id="{0CAA76DD-086B-432D-8EC2-7B7ED6544E5B}" type="slidenum">
+              <a:rPr lang="ru-RU" smtClean="0"/>
+              <a:t>7</a:t>
+            </a:fld>
+            <a:endParaRPr lang="ru-RU"/>
           </a:p>
         </p:txBody>
       </p:sp>
     </p:spTree>
     <p:extLst>
       <p:ext uri="{BB962C8B-B14F-4D97-AF65-F5344CB8AC3E}">
-        <p14:creationId xmlns:p14="http://schemas.microsoft.com/office/powerpoint/2010/main" val="1172725711"/>
+        <p14:creationId xmlns:p14="http://schemas.microsoft.com/office/powerpoint/2010/main" val="1637742797"/>
       </p:ext>
     </p:extLst>
   </p:cSld>
@@ -6944,6 +7604,139 @@
       </p:grpSpPr>
       <p:sp>
         <p:nvSpPr>
+          <p:cNvPr id="2" name="Заголовок 1"/>
+          <p:cNvSpPr>
+            <a:spLocks noGrp="1"/>
+          </p:cNvSpPr>
+          <p:nvPr>
+            <p:ph type="title"/>
+          </p:nvPr>
+        </p:nvSpPr>
+        <p:spPr/>
+        <p:txBody>
+          <a:bodyPr/>
+          <a:lstStyle/>
+          <a:p>
+            <a:r>
+              <a:rPr lang="ru-RU" dirty="0" smtClean="0"/>
+              <a:t>Расчетная себестоимость одного модуля системы:</a:t>
+            </a:r>
+            <a:endParaRPr lang="ru-RU" dirty="0"/>
+          </a:p>
+        </p:txBody>
+      </p:sp>
+      <p:pic>
+        <p:nvPicPr>
+          <p:cNvPr id="4" name="Объект 3"/>
+          <p:cNvPicPr>
+            <a:picLocks noGrp="1" noChangeAspect="1"/>
+          </p:cNvPicPr>
+          <p:nvPr>
+            <p:ph sz="half" idx="1"/>
+          </p:nvPr>
+        </p:nvPicPr>
+        <p:blipFill>
+          <a:blip r:embed="rId2">
+            <a:extLst>
+              <a:ext uri="{28A0092B-C50C-407E-A947-70E740481C1C}">
+                <a14:useLocalDpi xmlns:a14="http://schemas.microsoft.com/office/drawing/2010/main" val="0"/>
+              </a:ext>
+            </a:extLst>
+          </a:blip>
+          <a:stretch>
+            <a:fillRect/>
+          </a:stretch>
+        </p:blipFill>
+        <p:spPr>
+          <a:xfrm>
+            <a:off x="811082" y="2227390"/>
+            <a:ext cx="5712511" cy="2372889"/>
+          </a:xfrm>
+        </p:spPr>
+      </p:pic>
+      <p:sp>
+        <p:nvSpPr>
+          <p:cNvPr id="5" name="Объект 4"/>
+          <p:cNvSpPr>
+            <a:spLocks noGrp="1"/>
+          </p:cNvSpPr>
+          <p:nvPr>
+            <p:ph sz="half" idx="2"/>
+          </p:nvPr>
+        </p:nvSpPr>
+        <p:spPr>
+          <a:xfrm>
+            <a:off x="923827" y="4703975"/>
+            <a:ext cx="5599766" cy="1291472"/>
+          </a:xfrm>
+        </p:spPr>
+        <p:txBody>
+          <a:bodyPr/>
+          <a:lstStyle/>
+          <a:p>
+            <a:r>
+              <a:rPr lang="ru-RU" dirty="0" smtClean="0"/>
+              <a:t>Итого: 464.58 рублей.</a:t>
+            </a:r>
+            <a:endParaRPr lang="ru-RU" dirty="0"/>
+          </a:p>
+        </p:txBody>
+      </p:sp>
+      <p:sp>
+        <p:nvSpPr>
+          <p:cNvPr id="3" name="Номер слайда 2"/>
+          <p:cNvSpPr>
+            <a:spLocks noGrp="1"/>
+          </p:cNvSpPr>
+          <p:nvPr>
+            <p:ph type="sldNum" sz="quarter" idx="12"/>
+          </p:nvPr>
+        </p:nvSpPr>
+        <p:spPr/>
+        <p:txBody>
+          <a:bodyPr/>
+          <a:lstStyle/>
+          <a:p>
+            <a:fld id="{0CAA76DD-086B-432D-8EC2-7B7ED6544E5B}" type="slidenum">
+              <a:rPr lang="ru-RU" smtClean="0"/>
+              <a:t>8</a:t>
+            </a:fld>
+            <a:endParaRPr lang="ru-RU"/>
+          </a:p>
+        </p:txBody>
+      </p:sp>
+    </p:spTree>
+    <p:extLst>
+      <p:ext uri="{BB962C8B-B14F-4D97-AF65-F5344CB8AC3E}">
+        <p14:creationId xmlns:p14="http://schemas.microsoft.com/office/powerpoint/2010/main" val="1172725711"/>
+      </p:ext>
+    </p:extLst>
+  </p:cSld>
+  <p:clrMapOvr>
+    <a:masterClrMapping/>
+  </p:clrMapOvr>
+</p:sld>
+</file>
+
+<file path=ppt/slides/slide9.xml><?xml version="1.0" encoding="utf-8"?>
+<p:sld xmlns:a="http://schemas.openxmlformats.org/drawingml/2006/main" xmlns:r="http://schemas.openxmlformats.org/officeDocument/2006/relationships" xmlns:p="http://schemas.openxmlformats.org/presentationml/2006/main">
+  <p:cSld>
+    <p:spTree>
+      <p:nvGrpSpPr>
+        <p:cNvPr id="1" name=""/>
+        <p:cNvGrpSpPr/>
+        <p:nvPr/>
+      </p:nvGrpSpPr>
+      <p:grpSpPr>
+        <a:xfrm>
+          <a:off x="0" y="0"/>
+          <a:ext cx="0" cy="0"/>
+          <a:chOff x="0" y="0"/>
+          <a:chExt cx="0" cy="0"/>
+        </a:xfrm>
+      </p:grpSpPr>
+      <p:sp>
+        <p:nvSpPr>
           <p:cNvPr id="5" name="Заголовок 4"/>
           <p:cNvSpPr>
             <a:spLocks noGrp="1"/>
@@ -7000,6 +7793,29 @@
               <a:t>Разработан общий вид системы</a:t>
             </a:r>
             <a:endParaRPr lang="ru-RU" sz="2800" dirty="0"/>
+          </a:p>
+        </p:txBody>
+      </p:sp>
+      <p:sp>
+        <p:nvSpPr>
+          <p:cNvPr id="2" name="Номер слайда 1"/>
+          <p:cNvSpPr>
+            <a:spLocks noGrp="1"/>
+          </p:cNvSpPr>
+          <p:nvPr>
+            <p:ph type="sldNum" sz="quarter" idx="12"/>
+          </p:nvPr>
+        </p:nvSpPr>
+        <p:spPr/>
+        <p:txBody>
+          <a:bodyPr/>
+          <a:lstStyle/>
+          <a:p>
+            <a:fld id="{0CAA76DD-086B-432D-8EC2-7B7ED6544E5B}" type="slidenum">
+              <a:rPr lang="ru-RU" smtClean="0"/>
+              <a:t>9</a:t>
+            </a:fld>
+            <a:endParaRPr lang="ru-RU"/>
           </a:p>
         </p:txBody>
       </p:sp>
@@ -7280,4 +8096,265 @@
     </a:ext>
   </a:extLst>
 </a:theme>
+</file>
+
+<file path=ppt/theme/theme2.xml><?xml version="1.0" encoding="utf-8"?>
+<a:theme xmlns:a="http://schemas.openxmlformats.org/drawingml/2006/main" name="Тема Office">
+  <a:themeElements>
+    <a:clrScheme name="Стандартная">
+      <a:dk1>
+        <a:sysClr val="windowText" lastClr="000000"/>
+      </a:dk1>
+      <a:lt1>
+        <a:sysClr val="window" lastClr="FFFFFF"/>
+      </a:lt1>
+      <a:dk2>
+        <a:srgbClr val="44546A"/>
+      </a:dk2>
+      <a:lt2>
+        <a:srgbClr val="E7E6E6"/>
+      </a:lt2>
+      <a:accent1>
+        <a:srgbClr val="5B9BD5"/>
+      </a:accent1>
+      <a:accent2>
+        <a:srgbClr val="ED7D31"/>
+      </a:accent2>
+      <a:accent3>
+        <a:srgbClr val="A5A5A5"/>
+      </a:accent3>
+      <a:accent4>
+        <a:srgbClr val="FFC000"/>
+      </a:accent4>
+      <a:accent5>
+        <a:srgbClr val="4472C4"/>
+      </a:accent5>
+      <a:accent6>
+        <a:srgbClr val="70AD47"/>
+      </a:accent6>
+      <a:hlink>
+        <a:srgbClr val="0563C1"/>
+      </a:hlink>
+      <a:folHlink>
+        <a:srgbClr val="954F72"/>
+      </a:folHlink>
+    </a:clrScheme>
+    <a:fontScheme name="Стандартная">
+      <a:majorFont>
+        <a:latin typeface="Calibri Light" panose="020F0302020204030204"/>
+        <a:ea typeface=""/>
+        <a:cs typeface=""/>
+        <a:font script="Jpan" typeface="游ゴシック Light"/>
+        <a:font script="Hang" typeface="맑은 고딕"/>
+        <a:font script="Hans" typeface="等线 Light"/>
+        <a:font script="Hant" typeface="新細明體"/>
+        <a:font script="Arab" typeface="Times New Roman"/>
+        <a:font script="Hebr" typeface="Times New Roman"/>
+        <a:font script="Thai" typeface="Angsana New"/>
+        <a:font script="Ethi" typeface="Nyala"/>
+        <a:font script="Beng" typeface="Vrinda"/>
+        <a:font script="Gujr" typeface="Shruti"/>
+        <a:font script="Khmr" typeface="MoolBoran"/>
+        <a:font script="Knda" typeface="Tunga"/>
+        <a:font script="Guru" typeface="Raavi"/>
+        <a:font script="Cans" typeface="Euphemia"/>
+        <a:font script="Cher" typeface="Plantagenet Cherokee"/>
+        <a:font script="Yiii" typeface="Microsoft Yi Baiti"/>
+        <a:font script="Tibt" typeface="Microsoft Himalaya"/>
+        <a:font script="Thaa" typeface="MV Boli"/>
+        <a:font script="Deva" typeface="Mangal"/>
+        <a:font script="Telu" typeface="Gautami"/>
+        <a:font script="Taml" typeface="Latha"/>
+        <a:font script="Syrc" typeface="Estrangelo Edessa"/>
+        <a:font script="Orya" typeface="Kalinga"/>
+        <a:font script="Mlym" typeface="Kartika"/>
+        <a:font script="Laoo" typeface="DokChampa"/>
+        <a:font script="Sinh" typeface="Iskoola Pota"/>
+        <a:font script="Mong" typeface="Mongolian Baiti"/>
+        <a:font script="Viet" typeface="Times New Roman"/>
+        <a:font script="Uigh" typeface="Microsoft Uighur"/>
+        <a:font script="Geor" typeface="Sylfaen"/>
+      </a:majorFont>
+      <a:minorFont>
+        <a:latin typeface="Calibri" panose="020F0502020204030204"/>
+        <a:ea typeface=""/>
+        <a:cs typeface=""/>
+        <a:font script="Jpan" typeface="游ゴシック"/>
+        <a:font script="Hang" typeface="맑은 고딕"/>
+        <a:font script="Hans" typeface="等线"/>
+        <a:font script="Hant" typeface="新細明體"/>
+        <a:font script="Arab" typeface="Arial"/>
+        <a:font script="Hebr" typeface="Arial"/>
+        <a:font script="Thai" typeface="Cordia New"/>
+        <a:font script="Ethi" typeface="Nyala"/>
+        <a:font script="Beng" typeface="Vrinda"/>
+        <a:font script="Gujr" typeface="Shruti"/>
+        <a:font script="Khmr" typeface="DaunPenh"/>
+        <a:font script="Knda" typeface="Tunga"/>
+        <a:font script="Guru" typeface="Raavi"/>
+        <a:font script="Cans" typeface="Euphemia"/>
+        <a:font script="Cher" typeface="Plantagenet Cherokee"/>
+        <a:font script="Yiii" typeface="Microsoft Yi Baiti"/>
+        <a:font script="Tibt" typeface="Microsoft Himalaya"/>
+        <a:font script="Thaa" typeface="MV Boli"/>
+        <a:font script="Deva" typeface="Mangal"/>
+        <a:font script="Telu" typeface="Gautami"/>
+        <a:font script="Taml" typeface="Latha"/>
+        <a:font script="Syrc" typeface="Estrangelo Edessa"/>
+        <a:font script="Orya" typeface="Kalinga"/>
+        <a:font script="Mlym" typeface="Kartika"/>
+        <a:font script="Laoo" typeface="DokChampa"/>
+        <a:font script="Sinh" typeface="Iskoola Pota"/>
+        <a:font script="Mong" typeface="Mongolian Baiti"/>
+        <a:font script="Viet" typeface="Arial"/>
+        <a:font script="Uigh" typeface="Microsoft Uighur"/>
+        <a:font script="Geor" typeface="Sylfaen"/>
+      </a:minorFont>
+    </a:fontScheme>
+    <a:fmtScheme name="Стандартная">
+      <a:fillStyleLst>
+        <a:solidFill>
+          <a:schemeClr val="phClr"/>
+        </a:solidFill>
+        <a:gradFill rotWithShape="1">
+          <a:gsLst>
+            <a:gs pos="0">
+              <a:schemeClr val="phClr">
+                <a:lumMod val="110000"/>
+                <a:satMod val="105000"/>
+                <a:tint val="67000"/>
+              </a:schemeClr>
+            </a:gs>
+            <a:gs pos="50000">
+              <a:schemeClr val="phClr">
+                <a:lumMod val="105000"/>
+                <a:satMod val="103000"/>
+                <a:tint val="73000"/>
+              </a:schemeClr>
+            </a:gs>
+            <a:gs pos="100000">
+              <a:schemeClr val="phClr">
+                <a:lumMod val="105000"/>
+                <a:satMod val="109000"/>
+                <a:tint val="81000"/>
+              </a:schemeClr>
+            </a:gs>
+          </a:gsLst>
+          <a:lin ang="5400000" scaled="0"/>
+        </a:gradFill>
+        <a:gradFill rotWithShape="1">
+          <a:gsLst>
+            <a:gs pos="0">
+              <a:schemeClr val="phClr">
+                <a:satMod val="103000"/>
+                <a:lumMod val="102000"/>
+                <a:tint val="94000"/>
+              </a:schemeClr>
+            </a:gs>
+            <a:gs pos="50000">
+              <a:schemeClr val="phClr">
+                <a:satMod val="110000"/>
+                <a:lumMod val="100000"/>
+                <a:shade val="100000"/>
+              </a:schemeClr>
+            </a:gs>
+            <a:gs pos="100000">
+              <a:schemeClr val="phClr">
+                <a:lumMod val="99000"/>
+                <a:satMod val="120000"/>
+                <a:shade val="78000"/>
+              </a:schemeClr>
+            </a:gs>
+          </a:gsLst>
+          <a:lin ang="5400000" scaled="0"/>
+        </a:gradFill>
+      </a:fillStyleLst>
+      <a:lnStyleLst>
+        <a:ln w="6350" cap="flat" cmpd="sng" algn="ctr">
+          <a:solidFill>
+            <a:schemeClr val="phClr"/>
+          </a:solidFill>
+          <a:prstDash val="solid"/>
+          <a:miter lim="800000"/>
+        </a:ln>
+        <a:ln w="12700" cap="flat" cmpd="sng" algn="ctr">
+          <a:solidFill>
+            <a:schemeClr val="phClr"/>
+          </a:solidFill>
+          <a:prstDash val="solid"/>
+          <a:miter lim="800000"/>
+        </a:ln>
+        <a:ln w="19050" cap="flat" cmpd="sng" algn="ctr">
+          <a:solidFill>
+            <a:schemeClr val="phClr"/>
+          </a:solidFill>
+          <a:prstDash val="solid"/>
+          <a:miter lim="800000"/>
+        </a:ln>
+      </a:lnStyleLst>
+      <a:effectStyleLst>
+        <a:effectStyle>
+          <a:effectLst/>
+        </a:effectStyle>
+        <a:effectStyle>
+          <a:effectLst/>
+        </a:effectStyle>
+        <a:effectStyle>
+          <a:effectLst>
+            <a:outerShdw blurRad="57150" dist="19050" dir="5400000" algn="ctr" rotWithShape="0">
+              <a:srgbClr val="000000">
+                <a:alpha val="63000"/>
+              </a:srgbClr>
+            </a:outerShdw>
+          </a:effectLst>
+        </a:effectStyle>
+      </a:effectStyleLst>
+      <a:bgFillStyleLst>
+        <a:solidFill>
+          <a:schemeClr val="phClr"/>
+        </a:solidFill>
+        <a:solidFill>
+          <a:schemeClr val="phClr">
+            <a:tint val="95000"/>
+            <a:satMod val="170000"/>
+          </a:schemeClr>
+        </a:solidFill>
+        <a:gradFill rotWithShape="1">
+          <a:gsLst>
+            <a:gs pos="0">
+              <a:schemeClr val="phClr">
+                <a:tint val="93000"/>
+                <a:satMod val="150000"/>
+                <a:shade val="98000"/>
+                <a:lumMod val="102000"/>
+              </a:schemeClr>
+            </a:gs>
+            <a:gs pos="50000">
+              <a:schemeClr val="phClr">
+                <a:tint val="98000"/>
+                <a:satMod val="130000"/>
+                <a:shade val="90000"/>
+                <a:lumMod val="103000"/>
+              </a:schemeClr>
+            </a:gs>
+            <a:gs pos="100000">
+              <a:schemeClr val="phClr">
+                <a:shade val="63000"/>
+                <a:satMod val="120000"/>
+              </a:schemeClr>
+            </a:gs>
+          </a:gsLst>
+          <a:lin ang="5400000" scaled="0"/>
+        </a:gradFill>
+      </a:bgFillStyleLst>
+    </a:fmtScheme>
+  </a:themeElements>
+  <a:objectDefaults/>
+  <a:extraClrSchemeLst/>
+  <a:extLst>
+    <a:ext uri="{05A4C25C-085E-4340-85A3-A5531E510DB2}">
+      <thm15:themeFamily xmlns:thm15="http://schemas.microsoft.com/office/thememl/2012/main" name="Office Theme" id="{62F939B6-93AF-4DB8-9C6B-D6C7DFDC589F}" vid="{4A3C46E8-61CC-4603-A589-7422A47A8E4A}"/>
+    </a:ext>
+  </a:extLst>
+</a:theme>
 </file>